--- a/恩典的記號.pptx
+++ b/恩典的記號.pptx
@@ -12,7 +12,7 @@
     <p:sldId id="260" r:id="rId6"/>
     <p:sldId id="261" r:id="rId7"/>
   </p:sldIdLst>
-  <p:sldSz cx="9144000" cy="6858000" type="screen4x3"/>
+  <p:sldSz cx="9144000" cy="5143500" type="screen16x9"/>
   <p:notesSz cx="6858000" cy="9144000"/>
   <p:defaultTextStyle>
     <a:defPPr>
@@ -141,8 +141,8 @@
         </p:nvSpPr>
         <p:spPr>
           <a:xfrm>
-            <a:off x="685800" y="2130425"/>
-            <a:ext cx="7772400" cy="1470025"/>
+            <a:off x="685800" y="1597819"/>
+            <a:ext cx="7772400" cy="1102519"/>
           </a:xfrm>
         </p:spPr>
         <p:txBody>
@@ -169,8 +169,8 @@
         </p:nvSpPr>
         <p:spPr>
           <a:xfrm>
-            <a:off x="1371600" y="3886200"/>
-            <a:ext cx="6400800" cy="1752600"/>
+            <a:off x="1371600" y="2914650"/>
+            <a:ext cx="6400800" cy="1314450"/>
           </a:xfrm>
         </p:spPr>
         <p:txBody>
@@ -294,7 +294,7 @@
             <a:fld id="{0B84EEE5-0269-41C3-8BE4-0D0823A29EA8}" type="datetimeFigureOut">
               <a:rPr lang="zh-TW" altLang="en-US" smtClean="0"/>
               <a:pPr/>
-              <a:t>2018/1/27</a:t>
+              <a:t>2019/10/10</a:t>
             </a:fld>
             <a:endParaRPr lang="zh-TW" altLang="en-US"/>
           </a:p>
@@ -461,7 +461,7 @@
             <a:fld id="{0B84EEE5-0269-41C3-8BE4-0D0823A29EA8}" type="datetimeFigureOut">
               <a:rPr lang="zh-TW" altLang="en-US" smtClean="0"/>
               <a:pPr/>
-              <a:t>2018/1/27</a:t>
+              <a:t>2019/10/10</a:t>
             </a:fld>
             <a:endParaRPr lang="zh-TW" altLang="en-US"/>
           </a:p>
@@ -547,8 +547,8 @@
         </p:nvSpPr>
         <p:spPr>
           <a:xfrm>
-            <a:off x="6629400" y="274638"/>
-            <a:ext cx="2057400" cy="5851525"/>
+            <a:off x="6629400" y="205979"/>
+            <a:ext cx="2057400" cy="4388644"/>
           </a:xfrm>
         </p:spPr>
         <p:txBody>
@@ -575,8 +575,8 @@
         </p:nvSpPr>
         <p:spPr>
           <a:xfrm>
-            <a:off x="457200" y="274638"/>
-            <a:ext cx="6019800" cy="5851525"/>
+            <a:off x="457200" y="205979"/>
+            <a:ext cx="6019800" cy="4388644"/>
           </a:xfrm>
         </p:spPr>
         <p:txBody>
@@ -638,7 +638,7 @@
             <a:fld id="{0B84EEE5-0269-41C3-8BE4-0D0823A29EA8}" type="datetimeFigureOut">
               <a:rPr lang="zh-TW" altLang="en-US" smtClean="0"/>
               <a:pPr/>
-              <a:t>2018/1/27</a:t>
+              <a:t>2019/10/10</a:t>
             </a:fld>
             <a:endParaRPr lang="zh-TW" altLang="en-US"/>
           </a:p>
@@ -805,7 +805,7 @@
             <a:fld id="{0B84EEE5-0269-41C3-8BE4-0D0823A29EA8}" type="datetimeFigureOut">
               <a:rPr lang="zh-TW" altLang="en-US" smtClean="0"/>
               <a:pPr/>
-              <a:t>2018/1/27</a:t>
+              <a:t>2019/10/10</a:t>
             </a:fld>
             <a:endParaRPr lang="zh-TW" altLang="en-US"/>
           </a:p>
@@ -891,8 +891,8 @@
         </p:nvSpPr>
         <p:spPr>
           <a:xfrm>
-            <a:off x="722313" y="4406900"/>
-            <a:ext cx="7772400" cy="1362075"/>
+            <a:off x="722313" y="3305176"/>
+            <a:ext cx="7772400" cy="1021556"/>
           </a:xfrm>
         </p:spPr>
         <p:txBody>
@@ -923,8 +923,8 @@
         </p:nvSpPr>
         <p:spPr>
           <a:xfrm>
-            <a:off x="722313" y="2906713"/>
-            <a:ext cx="7772400" cy="1500187"/>
+            <a:off x="722313" y="2180035"/>
+            <a:ext cx="7772400" cy="1125140"/>
           </a:xfrm>
         </p:spPr>
         <p:txBody>
@@ -1048,7 +1048,7 @@
             <a:fld id="{0B84EEE5-0269-41C3-8BE4-0D0823A29EA8}" type="datetimeFigureOut">
               <a:rPr lang="zh-TW" altLang="en-US" smtClean="0"/>
               <a:pPr/>
-              <a:t>2018/1/27</a:t>
+              <a:t>2019/10/10</a:t>
             </a:fld>
             <a:endParaRPr lang="zh-TW" altLang="en-US"/>
           </a:p>
@@ -1157,8 +1157,8 @@
         </p:nvSpPr>
         <p:spPr>
           <a:xfrm>
-            <a:off x="457200" y="1600200"/>
-            <a:ext cx="4038600" cy="4525963"/>
+            <a:off x="457200" y="1200151"/>
+            <a:ext cx="4038600" cy="3394472"/>
           </a:xfrm>
         </p:spPr>
         <p:txBody>
@@ -1242,8 +1242,8 @@
         </p:nvSpPr>
         <p:spPr>
           <a:xfrm>
-            <a:off x="4648200" y="1600200"/>
-            <a:ext cx="4038600" cy="4525963"/>
+            <a:off x="4648200" y="1200151"/>
+            <a:ext cx="4038600" cy="3394472"/>
           </a:xfrm>
         </p:spPr>
         <p:txBody>
@@ -1333,7 +1333,7 @@
             <a:fld id="{0B84EEE5-0269-41C3-8BE4-0D0823A29EA8}" type="datetimeFigureOut">
               <a:rPr lang="zh-TW" altLang="en-US" smtClean="0"/>
               <a:pPr/>
-              <a:t>2018/1/27</a:t>
+              <a:t>2019/10/10</a:t>
             </a:fld>
             <a:endParaRPr lang="zh-TW" altLang="en-US"/>
           </a:p>
@@ -1446,8 +1446,8 @@
         </p:nvSpPr>
         <p:spPr>
           <a:xfrm>
-            <a:off x="457200" y="1535113"/>
-            <a:ext cx="4040188" cy="639762"/>
+            <a:off x="457200" y="1151335"/>
+            <a:ext cx="4040188" cy="479822"/>
           </a:xfrm>
         </p:spPr>
         <p:txBody>
@@ -1511,8 +1511,8 @@
         </p:nvSpPr>
         <p:spPr>
           <a:xfrm>
-            <a:off x="457200" y="2174875"/>
-            <a:ext cx="4040188" cy="3951288"/>
+            <a:off x="457200" y="1631156"/>
+            <a:ext cx="4040188" cy="2963466"/>
           </a:xfrm>
         </p:spPr>
         <p:txBody>
@@ -1596,8 +1596,8 @@
         </p:nvSpPr>
         <p:spPr>
           <a:xfrm>
-            <a:off x="4645025" y="1535113"/>
-            <a:ext cx="4041775" cy="639762"/>
+            <a:off x="4645026" y="1151335"/>
+            <a:ext cx="4041775" cy="479822"/>
           </a:xfrm>
         </p:spPr>
         <p:txBody>
@@ -1661,8 +1661,8 @@
         </p:nvSpPr>
         <p:spPr>
           <a:xfrm>
-            <a:off x="4645025" y="2174875"/>
-            <a:ext cx="4041775" cy="3951288"/>
+            <a:off x="4645026" y="1631156"/>
+            <a:ext cx="4041775" cy="2963466"/>
           </a:xfrm>
         </p:spPr>
         <p:txBody>
@@ -1752,7 +1752,7 @@
             <a:fld id="{0B84EEE5-0269-41C3-8BE4-0D0823A29EA8}" type="datetimeFigureOut">
               <a:rPr lang="zh-TW" altLang="en-US" smtClean="0"/>
               <a:pPr/>
-              <a:t>2018/1/27</a:t>
+              <a:t>2019/10/10</a:t>
             </a:fld>
             <a:endParaRPr lang="zh-TW" altLang="en-US"/>
           </a:p>
@@ -1867,7 +1867,7 @@
             <a:fld id="{0B84EEE5-0269-41C3-8BE4-0D0823A29EA8}" type="datetimeFigureOut">
               <a:rPr lang="zh-TW" altLang="en-US" smtClean="0"/>
               <a:pPr/>
-              <a:t>2018/1/27</a:t>
+              <a:t>2019/10/10</a:t>
             </a:fld>
             <a:endParaRPr lang="zh-TW" altLang="en-US"/>
           </a:p>
@@ -1959,7 +1959,7 @@
             <a:fld id="{0B84EEE5-0269-41C3-8BE4-0D0823A29EA8}" type="datetimeFigureOut">
               <a:rPr lang="zh-TW" altLang="en-US" smtClean="0"/>
               <a:pPr/>
-              <a:t>2018/1/27</a:t>
+              <a:t>2019/10/10</a:t>
             </a:fld>
             <a:endParaRPr lang="zh-TW" altLang="en-US"/>
           </a:p>
@@ -2045,8 +2045,8 @@
         </p:nvSpPr>
         <p:spPr>
           <a:xfrm>
-            <a:off x="457200" y="273050"/>
-            <a:ext cx="3008313" cy="1162050"/>
+            <a:off x="457201" y="204787"/>
+            <a:ext cx="3008313" cy="871538"/>
           </a:xfrm>
         </p:spPr>
         <p:txBody>
@@ -2077,8 +2077,8 @@
         </p:nvSpPr>
         <p:spPr>
           <a:xfrm>
-            <a:off x="3575050" y="273050"/>
-            <a:ext cx="5111750" cy="5853113"/>
+            <a:off x="3575050" y="204788"/>
+            <a:ext cx="5111750" cy="4389835"/>
           </a:xfrm>
         </p:spPr>
         <p:txBody>
@@ -2162,8 +2162,8 @@
         </p:nvSpPr>
         <p:spPr>
           <a:xfrm>
-            <a:off x="457200" y="1435100"/>
-            <a:ext cx="3008313" cy="4691063"/>
+            <a:off x="457201" y="1076326"/>
+            <a:ext cx="3008313" cy="3518297"/>
           </a:xfrm>
         </p:spPr>
         <p:txBody>
@@ -2233,7 +2233,7 @@
             <a:fld id="{0B84EEE5-0269-41C3-8BE4-0D0823A29EA8}" type="datetimeFigureOut">
               <a:rPr lang="zh-TW" altLang="en-US" smtClean="0"/>
               <a:pPr/>
-              <a:t>2018/1/27</a:t>
+              <a:t>2019/10/10</a:t>
             </a:fld>
             <a:endParaRPr lang="zh-TW" altLang="en-US"/>
           </a:p>
@@ -2319,8 +2319,8 @@
         </p:nvSpPr>
         <p:spPr>
           <a:xfrm>
-            <a:off x="1792288" y="4800600"/>
-            <a:ext cx="5486400" cy="566738"/>
+            <a:off x="1792288" y="3600450"/>
+            <a:ext cx="5486400" cy="425054"/>
           </a:xfrm>
         </p:spPr>
         <p:txBody>
@@ -2351,8 +2351,8 @@
         </p:nvSpPr>
         <p:spPr>
           <a:xfrm>
-            <a:off x="1792288" y="612775"/>
-            <a:ext cx="5486400" cy="4114800"/>
+            <a:off x="1792288" y="459581"/>
+            <a:ext cx="5486400" cy="3086100"/>
           </a:xfrm>
         </p:spPr>
         <p:txBody>
@@ -2416,8 +2416,8 @@
         </p:nvSpPr>
         <p:spPr>
           <a:xfrm>
-            <a:off x="1792288" y="5367338"/>
-            <a:ext cx="5486400" cy="804862"/>
+            <a:off x="1792288" y="4025503"/>
+            <a:ext cx="5486400" cy="603647"/>
           </a:xfrm>
         </p:spPr>
         <p:txBody>
@@ -2487,7 +2487,7 @@
             <a:fld id="{0B84EEE5-0269-41C3-8BE4-0D0823A29EA8}" type="datetimeFigureOut">
               <a:rPr lang="zh-TW" altLang="en-US" smtClean="0"/>
               <a:pPr/>
-              <a:t>2018/1/27</a:t>
+              <a:t>2019/10/10</a:t>
             </a:fld>
             <a:endParaRPr lang="zh-TW" altLang="en-US"/>
           </a:p>
@@ -2583,8 +2583,8 @@
         </p:nvSpPr>
         <p:spPr>
           <a:xfrm>
-            <a:off x="457200" y="274638"/>
-            <a:ext cx="8229600" cy="1143000"/>
+            <a:off x="457200" y="205979"/>
+            <a:ext cx="8229600" cy="857250"/>
           </a:xfrm>
           <a:prstGeom prst="rect">
             <a:avLst/>
@@ -2616,8 +2616,8 @@
         </p:nvSpPr>
         <p:spPr>
           <a:xfrm>
-            <a:off x="457200" y="1600200"/>
-            <a:ext cx="8229600" cy="4525963"/>
+            <a:off x="457200" y="1200151"/>
+            <a:ext cx="8229600" cy="3394472"/>
           </a:xfrm>
           <a:prstGeom prst="rect">
             <a:avLst/>
@@ -2678,8 +2678,8 @@
         </p:nvSpPr>
         <p:spPr>
           <a:xfrm>
-            <a:off x="457200" y="6356350"/>
-            <a:ext cx="2133600" cy="365125"/>
+            <a:off x="457200" y="4767263"/>
+            <a:ext cx="2133600" cy="273844"/>
           </a:xfrm>
           <a:prstGeom prst="rect">
             <a:avLst/>
@@ -2702,7 +2702,7 @@
             <a:fld id="{0B84EEE5-0269-41C3-8BE4-0D0823A29EA8}" type="datetimeFigureOut">
               <a:rPr lang="zh-TW" altLang="en-US" smtClean="0"/>
               <a:pPr/>
-              <a:t>2018/1/27</a:t>
+              <a:t>2019/10/10</a:t>
             </a:fld>
             <a:endParaRPr lang="zh-TW" altLang="en-US"/>
           </a:p>
@@ -2720,8 +2720,8 @@
         </p:nvSpPr>
         <p:spPr>
           <a:xfrm>
-            <a:off x="3124200" y="6356350"/>
-            <a:ext cx="2895600" cy="365125"/>
+            <a:off x="3124200" y="4767263"/>
+            <a:ext cx="2895600" cy="273844"/>
           </a:xfrm>
           <a:prstGeom prst="rect">
             <a:avLst/>
@@ -2757,8 +2757,8 @@
         </p:nvSpPr>
         <p:spPr>
           <a:xfrm>
-            <a:off x="6553200" y="6356350"/>
-            <a:ext cx="2133600" cy="365125"/>
+            <a:off x="6553200" y="4767263"/>
+            <a:ext cx="2133600" cy="273844"/>
           </a:xfrm>
           <a:prstGeom prst="rect">
             <a:avLst/>
@@ -3085,11 +3085,13 @@
         </p:nvSpPr>
         <p:spPr/>
         <p:txBody>
-          <a:bodyPr/>
-          <a:lstStyle/>
-          <a:p>
-            <a:r>
-              <a:rPr lang="zh-TW" altLang="en-US" b="1" dirty="0" smtClean="0">
+          <a:bodyPr>
+            <a:normAutofit/>
+          </a:bodyPr>
+          <a:lstStyle/>
+          <a:p>
+            <a:r>
+              <a:rPr lang="zh-TW" altLang="en-US" sz="4000" b="1" dirty="0" smtClean="0">
                 <a:solidFill>
                   <a:srgbClr val="660033"/>
                 </a:solidFill>
@@ -3098,7 +3100,7 @@
               </a:rPr>
               <a:t>恩典的記號</a:t>
             </a:r>
-            <a:endParaRPr lang="zh-TW" altLang="en-US" b="1" dirty="0">
+            <a:endParaRPr lang="zh-TW" altLang="en-US" sz="4000" b="1" dirty="0">
               <a:solidFill>
                 <a:srgbClr val="660033"/>
               </a:solidFill>
@@ -3120,8 +3122,8 @@
         </p:nvSpPr>
         <p:spPr>
           <a:xfrm>
-            <a:off x="0" y="1600200"/>
-            <a:ext cx="9144000" cy="4525963"/>
+            <a:off x="0" y="1200151"/>
+            <a:ext cx="9144000" cy="3394472"/>
           </a:xfrm>
         </p:spPr>
         <p:txBody>
@@ -3134,26 +3136,16 @@
               <a:buNone/>
             </a:pPr>
             <a:r>
-              <a:rPr lang="zh-TW" altLang="en-US" sz="5400" b="1" dirty="0" smtClean="0">
+              <a:rPr lang="zh-TW" altLang="en-US" sz="4800" b="1" dirty="0" smtClean="0">
                 <a:solidFill>
                   <a:srgbClr val="660033"/>
                 </a:solidFill>
                 <a:latin typeface="微軟正黑體" pitchFamily="34" charset="-120"/>
                 <a:ea typeface="微軟正黑體" pitchFamily="34" charset="-120"/>
               </a:rPr>
-              <a:t>站在大</a:t>
-            </a:r>
-            <a:r>
-              <a:rPr lang="zh-TW" altLang="en-US" sz="5400" b="1" dirty="0" smtClean="0">
-                <a:solidFill>
-                  <a:srgbClr val="660033"/>
-                </a:solidFill>
-                <a:latin typeface="微軟正黑體" pitchFamily="34" charset="-120"/>
-                <a:ea typeface="微軟正黑體" pitchFamily="34" charset="-120"/>
-              </a:rPr>
-              <a:t>海邊</a:t>
-            </a:r>
-            <a:endParaRPr lang="en-US" altLang="zh-TW" sz="5400" b="1" dirty="0" smtClean="0">
+              <a:t>站在大海邊</a:t>
+            </a:r>
+            <a:endParaRPr lang="en-US" altLang="zh-TW" sz="4800" b="1" dirty="0" smtClean="0">
               <a:solidFill>
                 <a:srgbClr val="660033"/>
               </a:solidFill>
@@ -3166,24 +3158,14 @@
               <a:buNone/>
             </a:pPr>
             <a:r>
-              <a:rPr lang="zh-TW" altLang="en-US" sz="5400" b="1" dirty="0" smtClean="0">
+              <a:rPr lang="zh-TW" altLang="en-US" sz="4800" b="1" dirty="0" smtClean="0">
                 <a:solidFill>
                   <a:srgbClr val="660033"/>
                 </a:solidFill>
                 <a:latin typeface="微軟正黑體" pitchFamily="34" charset="-120"/>
                 <a:ea typeface="微軟正黑體" pitchFamily="34" charset="-120"/>
               </a:rPr>
-              <a:t>才</a:t>
-            </a:r>
-            <a:r>
-              <a:rPr lang="zh-TW" altLang="en-US" sz="5400" b="1" dirty="0" smtClean="0">
-                <a:solidFill>
-                  <a:srgbClr val="660033"/>
-                </a:solidFill>
-                <a:latin typeface="微軟正黑體" pitchFamily="34" charset="-120"/>
-                <a:ea typeface="微軟正黑體" pitchFamily="34" charset="-120"/>
-              </a:rPr>
-              <a:t>發現自己是多渺小</a:t>
+              <a:t>才發現自己是多渺小</a:t>
             </a:r>
           </a:p>
           <a:p>
@@ -3191,7 +3173,7 @@
               <a:buNone/>
             </a:pPr>
             <a:r>
-              <a:rPr lang="zh-TW" altLang="en-US" sz="5400" b="1" dirty="0" smtClean="0">
+              <a:rPr lang="zh-TW" altLang="en-US" sz="4800" b="1" dirty="0" smtClean="0">
                 <a:solidFill>
                   <a:srgbClr val="660033"/>
                 </a:solidFill>
@@ -3200,7 +3182,7 @@
               </a:rPr>
               <a:t>登上最高山</a:t>
             </a:r>
-            <a:endParaRPr lang="en-US" altLang="zh-TW" sz="5400" b="1" dirty="0" smtClean="0">
+            <a:endParaRPr lang="en-US" altLang="zh-TW" sz="4800" b="1" dirty="0" smtClean="0">
               <a:solidFill>
                 <a:srgbClr val="660033"/>
               </a:solidFill>
@@ -3213,7 +3195,7 @@
               <a:buNone/>
             </a:pPr>
             <a:r>
-              <a:rPr lang="zh-TW" altLang="en-US" sz="5400" b="1" dirty="0" smtClean="0">
+              <a:rPr lang="zh-TW" altLang="en-US" sz="4800" b="1" dirty="0" smtClean="0">
                 <a:solidFill>
                   <a:srgbClr val="660033"/>
                 </a:solidFill>
@@ -3262,11 +3244,13 @@
         </p:nvSpPr>
         <p:spPr/>
         <p:txBody>
-          <a:bodyPr/>
-          <a:lstStyle/>
-          <a:p>
-            <a:r>
-              <a:rPr lang="zh-TW" altLang="en-US" b="1" dirty="0" smtClean="0">
+          <a:bodyPr>
+            <a:normAutofit/>
+          </a:bodyPr>
+          <a:lstStyle/>
+          <a:p>
+            <a:r>
+              <a:rPr lang="zh-TW" altLang="en-US" sz="4000" b="1" dirty="0">
                 <a:solidFill>
                   <a:srgbClr val="660033"/>
                 </a:solidFill>
@@ -3275,7 +3259,7 @@
               </a:rPr>
               <a:t>恩典的記號</a:t>
             </a:r>
-            <a:endParaRPr lang="zh-TW" altLang="en-US" b="1" dirty="0">
+            <a:endParaRPr lang="zh-TW" altLang="en-US" sz="4000" b="1" dirty="0">
               <a:solidFill>
                 <a:srgbClr val="660033"/>
               </a:solidFill>
@@ -3297,8 +3281,8 @@
         </p:nvSpPr>
         <p:spPr>
           <a:xfrm>
-            <a:off x="0" y="1600200"/>
-            <a:ext cx="9144000" cy="4525963"/>
+            <a:off x="0" y="1200151"/>
+            <a:ext cx="9144000" cy="3394472"/>
           </a:xfrm>
         </p:spPr>
         <p:txBody>
@@ -3311,7 +3295,7 @@
               <a:buNone/>
             </a:pPr>
             <a:r>
-              <a:rPr lang="zh-TW" altLang="en-US" sz="5400" b="1" dirty="0" smtClean="0">
+              <a:rPr lang="zh-TW" altLang="en-US" sz="4800" b="1" dirty="0">
                 <a:solidFill>
                   <a:srgbClr val="660033"/>
                 </a:solidFill>
@@ -3320,7 +3304,7 @@
               </a:rPr>
               <a:t>浩瀚的宇宙中</a:t>
             </a:r>
-            <a:endParaRPr lang="en-US" altLang="zh-TW" sz="5400" b="1" dirty="0" smtClean="0">
+            <a:endParaRPr lang="en-US" altLang="zh-TW" sz="4800" b="1" dirty="0">
               <a:solidFill>
                 <a:srgbClr val="660033"/>
               </a:solidFill>
@@ -3333,7 +3317,7 @@
               <a:buNone/>
             </a:pPr>
             <a:r>
-              <a:rPr lang="zh-TW" altLang="en-US" sz="5400" b="1" dirty="0" smtClean="0">
+              <a:rPr lang="zh-TW" altLang="en-US" sz="4800" b="1" dirty="0">
                 <a:solidFill>
                   <a:srgbClr val="660033"/>
                 </a:solidFill>
@@ -3348,7 +3332,7 @@
               <a:buNone/>
             </a:pPr>
             <a:r>
-              <a:rPr lang="zh-TW" altLang="en-US" sz="5400" b="1" dirty="0" smtClean="0">
+              <a:rPr lang="zh-TW" altLang="en-US" sz="4800" b="1" dirty="0">
                 <a:solidFill>
                   <a:srgbClr val="660033"/>
                 </a:solidFill>
@@ -3397,11 +3381,13 @@
         </p:nvSpPr>
         <p:spPr/>
         <p:txBody>
-          <a:bodyPr/>
-          <a:lstStyle/>
-          <a:p>
-            <a:r>
-              <a:rPr lang="zh-TW" altLang="en-US" b="1" dirty="0" smtClean="0">
+          <a:bodyPr>
+            <a:normAutofit/>
+          </a:bodyPr>
+          <a:lstStyle/>
+          <a:p>
+            <a:r>
+              <a:rPr lang="zh-TW" altLang="en-US" sz="4000" b="1" dirty="0">
                 <a:solidFill>
                   <a:srgbClr val="660033"/>
                 </a:solidFill>
@@ -3410,7 +3396,7 @@
               </a:rPr>
               <a:t>恩典的記號</a:t>
             </a:r>
-            <a:endParaRPr lang="zh-TW" altLang="en-US" b="1" dirty="0">
+            <a:endParaRPr lang="zh-TW" altLang="en-US" sz="4000" b="1" dirty="0">
               <a:solidFill>
                 <a:srgbClr val="660033"/>
               </a:solidFill>
@@ -3432,8 +3418,8 @@
         </p:nvSpPr>
         <p:spPr>
           <a:xfrm>
-            <a:off x="0" y="1600200"/>
-            <a:ext cx="9144000" cy="4525963"/>
+            <a:off x="0" y="1200151"/>
+            <a:ext cx="9144000" cy="3394472"/>
           </a:xfrm>
         </p:spPr>
         <p:txBody>
@@ -3446,16 +3432,26 @@
               <a:buNone/>
             </a:pPr>
             <a:r>
-              <a:rPr lang="zh-TW" altLang="en-US" sz="5400" b="1" dirty="0" smtClean="0">
+              <a:rPr lang="zh-TW" altLang="en-US" sz="4800" b="1" dirty="0">
                 <a:solidFill>
                   <a:srgbClr val="660033"/>
                 </a:solidFill>
                 <a:latin typeface="微軟正黑體" pitchFamily="34" charset="-120"/>
                 <a:ea typeface="微軟正黑體" pitchFamily="34" charset="-120"/>
               </a:rPr>
-              <a:t>夜空的星星</a:t>
-            </a:r>
-            <a:endParaRPr lang="en-US" altLang="zh-TW" sz="5400" b="1" dirty="0" smtClean="0">
+              <a:t>夜空的星</a:t>
+            </a:r>
+            <a:r>
+              <a:rPr lang="zh-TW" altLang="en-US" sz="4800" b="1" dirty="0" smtClean="0">
+                <a:solidFill>
+                  <a:srgbClr val="660033"/>
+                </a:solidFill>
+                <a:latin typeface="微軟正黑體" pitchFamily="34" charset="-120"/>
+                <a:ea typeface="微軟正黑體" pitchFamily="34" charset="-120"/>
+              </a:rPr>
+              <a:t>星</a:t>
+            </a:r>
+            <a:endParaRPr lang="en-US" altLang="zh-TW" sz="4800" b="1" dirty="0" smtClean="0">
               <a:solidFill>
                 <a:srgbClr val="660033"/>
               </a:solidFill>
@@ -3468,7 +3464,7 @@
               <a:buNone/>
             </a:pPr>
             <a:r>
-              <a:rPr lang="zh-TW" altLang="en-US" sz="5400" b="1" dirty="0" smtClean="0">
+              <a:rPr lang="zh-TW" altLang="en-US" sz="4800" b="1" dirty="0" smtClean="0">
                 <a:solidFill>
                   <a:srgbClr val="660033"/>
                 </a:solidFill>
@@ -3483,16 +3479,36 @@
               <a:buNone/>
             </a:pPr>
             <a:r>
-              <a:rPr lang="zh-TW" altLang="en-US" sz="5400" b="1" dirty="0" smtClean="0">
+              <a:rPr lang="zh-TW" altLang="en-US" sz="4800" b="1" dirty="0" smtClean="0">
                 <a:solidFill>
                   <a:srgbClr val="660033"/>
                 </a:solidFill>
                 <a:latin typeface="微軟正黑體" pitchFamily="34" charset="-120"/>
                 <a:ea typeface="微軟正黑體" pitchFamily="34" charset="-120"/>
               </a:rPr>
-              <a:t>輕聲告訴我</a:t>
-            </a:r>
-            <a:endParaRPr lang="en-US" altLang="zh-TW" sz="5400" b="1" dirty="0" smtClean="0">
+              <a:t>輕</a:t>
+            </a:r>
+            <a:r>
+              <a:rPr lang="zh-TW" altLang="en-US" sz="4800" b="1" dirty="0">
+                <a:solidFill>
+                  <a:srgbClr val="660033"/>
+                </a:solidFill>
+                <a:latin typeface="微軟正黑體" pitchFamily="34" charset="-120"/>
+                <a:ea typeface="微軟正黑體" pitchFamily="34" charset="-120"/>
+              </a:rPr>
+              <a:t>聲告訴</a:t>
+            </a:r>
+            <a:r>
+              <a:rPr lang="zh-TW" altLang="en-US" sz="4800" b="1" dirty="0" smtClean="0">
+                <a:solidFill>
+                  <a:srgbClr val="660033"/>
+                </a:solidFill>
+                <a:latin typeface="微軟正黑體" pitchFamily="34" charset="-120"/>
+                <a:ea typeface="微軟正黑體" pitchFamily="34" charset="-120"/>
+              </a:rPr>
+              <a:t>我</a:t>
+            </a:r>
+            <a:endParaRPr lang="en-US" altLang="zh-TW" sz="4800" b="1" dirty="0" smtClean="0">
               <a:solidFill>
                 <a:srgbClr val="660033"/>
               </a:solidFill>
@@ -3505,7 +3521,7 @@
               <a:buNone/>
             </a:pPr>
             <a:r>
-              <a:rPr lang="zh-TW" altLang="en-US" sz="5400" b="1" dirty="0" smtClean="0">
+              <a:rPr lang="zh-TW" altLang="en-US" sz="4800" b="1" dirty="0" smtClean="0">
                 <a:solidFill>
                   <a:srgbClr val="660033"/>
                 </a:solidFill>
@@ -3514,7 +3530,7 @@
               </a:rPr>
               <a:t>一切祂都看見了</a:t>
             </a:r>
-            <a:endParaRPr lang="en-US" altLang="zh-TW" sz="5400" b="1" dirty="0" smtClean="0">
+            <a:endParaRPr lang="en-US" altLang="zh-TW" sz="4800" b="1" dirty="0">
               <a:solidFill>
                 <a:srgbClr val="660033"/>
               </a:solidFill>
@@ -3561,11 +3577,13 @@
         </p:nvSpPr>
         <p:spPr/>
         <p:txBody>
-          <a:bodyPr/>
-          <a:lstStyle/>
-          <a:p>
-            <a:r>
-              <a:rPr lang="zh-TW" altLang="en-US" b="1" dirty="0" smtClean="0">
+          <a:bodyPr>
+            <a:normAutofit/>
+          </a:bodyPr>
+          <a:lstStyle/>
+          <a:p>
+            <a:r>
+              <a:rPr lang="zh-TW" altLang="en-US" sz="4000" b="1" dirty="0">
                 <a:solidFill>
                   <a:srgbClr val="660033"/>
                 </a:solidFill>
@@ -3574,7 +3592,7 @@
               </a:rPr>
               <a:t>恩典的記號</a:t>
             </a:r>
-            <a:endParaRPr lang="zh-TW" altLang="en-US" b="1" dirty="0">
+            <a:endParaRPr lang="zh-TW" altLang="en-US" sz="4000" b="1" dirty="0">
               <a:solidFill>
                 <a:srgbClr val="660033"/>
               </a:solidFill>
@@ -3596,8 +3614,8 @@
         </p:nvSpPr>
         <p:spPr>
           <a:xfrm>
-            <a:off x="0" y="1600200"/>
-            <a:ext cx="9144000" cy="4525963"/>
+            <a:off x="0" y="1200151"/>
+            <a:ext cx="9144000" cy="3394472"/>
           </a:xfrm>
         </p:spPr>
         <p:txBody>
@@ -3610,7 +3628,7 @@
               <a:buNone/>
             </a:pPr>
             <a:r>
-              <a:rPr lang="zh-TW" altLang="en-US" sz="5400" b="1" dirty="0" smtClean="0">
+              <a:rPr lang="zh-TW" altLang="en-US" sz="4800" b="1" dirty="0" smtClean="0">
                 <a:solidFill>
                   <a:srgbClr val="660033"/>
                 </a:solidFill>
@@ -3619,7 +3637,7 @@
               </a:rPr>
               <a:t>我所有掙扎</a:t>
             </a:r>
-            <a:endParaRPr lang="en-US" altLang="zh-TW" sz="5400" b="1" dirty="0" smtClean="0">
+            <a:endParaRPr lang="en-US" altLang="zh-TW" sz="4800" b="1" dirty="0" smtClean="0">
               <a:solidFill>
                 <a:srgbClr val="660033"/>
               </a:solidFill>
@@ -3632,7 +3650,7 @@
               <a:buNone/>
             </a:pPr>
             <a:r>
-              <a:rPr lang="zh-TW" altLang="en-US" sz="5400" b="1" dirty="0" smtClean="0">
+              <a:rPr lang="zh-TW" altLang="en-US" sz="4800" b="1" dirty="0" smtClean="0">
                 <a:solidFill>
                   <a:srgbClr val="660033"/>
                 </a:solidFill>
@@ -3647,7 +3665,7 @@
               <a:buNone/>
             </a:pPr>
             <a:r>
-              <a:rPr lang="zh-TW" altLang="en-US" sz="5400" b="1" dirty="0" smtClean="0">
+              <a:rPr lang="zh-TW" altLang="en-US" sz="4800" b="1" dirty="0" smtClean="0">
                 <a:solidFill>
                   <a:srgbClr val="660033"/>
                 </a:solidFill>
@@ -3656,6 +3674,13 @@
               </a:rPr>
               <a:t>將成為主恩典的記號</a:t>
             </a:r>
+            <a:endParaRPr lang="zh-TW" altLang="en-US" sz="4800" b="1" dirty="0">
+              <a:solidFill>
+                <a:srgbClr val="660033"/>
+              </a:solidFill>
+              <a:latin typeface="微軟正黑體" pitchFamily="34" charset="-120"/>
+              <a:ea typeface="微軟正黑體" pitchFamily="34" charset="-120"/>
+            </a:endParaRPr>
           </a:p>
         </p:txBody>
       </p:sp>
@@ -3696,11 +3721,13 @@
         </p:nvSpPr>
         <p:spPr/>
         <p:txBody>
-          <a:bodyPr/>
-          <a:lstStyle/>
-          <a:p>
-            <a:r>
-              <a:rPr lang="zh-TW" altLang="en-US" b="1" dirty="0" smtClean="0">
+          <a:bodyPr>
+            <a:normAutofit/>
+          </a:bodyPr>
+          <a:lstStyle/>
+          <a:p>
+            <a:r>
+              <a:rPr lang="zh-TW" altLang="en-US" sz="4000" b="1" dirty="0">
                 <a:solidFill>
                   <a:srgbClr val="660033"/>
                 </a:solidFill>
@@ -3709,7 +3736,7 @@
               </a:rPr>
               <a:t>恩典的記號</a:t>
             </a:r>
-            <a:endParaRPr lang="zh-TW" altLang="en-US" b="1" dirty="0">
+            <a:endParaRPr lang="zh-TW" altLang="en-US" sz="4000" b="1" dirty="0">
               <a:solidFill>
                 <a:srgbClr val="660033"/>
               </a:solidFill>
@@ -3731,8 +3758,8 @@
         </p:nvSpPr>
         <p:spPr>
           <a:xfrm>
-            <a:off x="0" y="1600200"/>
-            <a:ext cx="9144000" cy="4525963"/>
+            <a:off x="0" y="1200151"/>
+            <a:ext cx="9144000" cy="3394472"/>
           </a:xfrm>
         </p:spPr>
         <p:txBody>
@@ -3745,7 +3772,7 @@
               <a:buNone/>
             </a:pPr>
             <a:r>
-              <a:rPr lang="zh-TW" altLang="en-US" sz="5400" b="1" dirty="0" smtClean="0">
+              <a:rPr lang="zh-TW" altLang="en-US" sz="4800" b="1" dirty="0">
                 <a:solidFill>
                   <a:srgbClr val="660033"/>
                 </a:solidFill>
@@ -3760,7 +3787,7 @@
               <a:buNone/>
             </a:pPr>
             <a:r>
-              <a:rPr lang="zh-TW" altLang="en-US" sz="5400" b="1" dirty="0" smtClean="0">
+              <a:rPr lang="zh-TW" altLang="en-US" sz="4800" b="1" dirty="0">
                 <a:solidFill>
                   <a:srgbClr val="660033"/>
                 </a:solidFill>
@@ -3769,7 +3796,7 @@
               </a:rPr>
               <a:t>千萬人中 祂竟關心我的需要</a:t>
             </a:r>
-            <a:endParaRPr lang="en-US" altLang="zh-TW" sz="5400" b="1" dirty="0" smtClean="0">
+            <a:endParaRPr lang="en-US" altLang="zh-TW" sz="4800" b="1" dirty="0">
               <a:solidFill>
                 <a:srgbClr val="660033"/>
               </a:solidFill>
@@ -3782,7 +3809,7 @@
               <a:buNone/>
             </a:pPr>
             <a:r>
-              <a:rPr lang="zh-TW" altLang="en-US" sz="5400" b="1" dirty="0" smtClean="0">
+              <a:rPr lang="zh-TW" altLang="en-US" sz="4800" b="1" dirty="0">
                 <a:solidFill>
                   <a:srgbClr val="660033"/>
                 </a:solidFill>
@@ -3797,7 +3824,7 @@
               <a:buNone/>
             </a:pPr>
             <a:r>
-              <a:rPr lang="zh-TW" altLang="en-US" sz="5400" b="1" dirty="0" smtClean="0">
+              <a:rPr lang="zh-TW" altLang="en-US" sz="4800" b="1" dirty="0">
                 <a:solidFill>
                   <a:srgbClr val="660033"/>
                 </a:solidFill>
@@ -3846,11 +3873,13 @@
         </p:nvSpPr>
         <p:spPr/>
         <p:txBody>
-          <a:bodyPr/>
-          <a:lstStyle/>
-          <a:p>
-            <a:r>
-              <a:rPr lang="zh-TW" altLang="en-US" b="1" dirty="0" smtClean="0">
+          <a:bodyPr>
+            <a:normAutofit/>
+          </a:bodyPr>
+          <a:lstStyle/>
+          <a:p>
+            <a:r>
+              <a:rPr lang="zh-TW" altLang="en-US" sz="4000" b="1" dirty="0">
                 <a:solidFill>
                   <a:srgbClr val="660033"/>
                 </a:solidFill>
@@ -3859,7 +3888,7 @@
               </a:rPr>
               <a:t>恩典的記號</a:t>
             </a:r>
-            <a:endParaRPr lang="zh-TW" altLang="en-US" b="1" dirty="0">
+            <a:endParaRPr lang="zh-TW" altLang="en-US" sz="4000" b="1" dirty="0">
               <a:solidFill>
                 <a:srgbClr val="660033"/>
               </a:solidFill>
@@ -3881,8 +3910,8 @@
         </p:nvSpPr>
         <p:spPr>
           <a:xfrm>
-            <a:off x="0" y="1600200"/>
-            <a:ext cx="9144000" cy="4525963"/>
+            <a:off x="0" y="1200151"/>
+            <a:ext cx="9144000" cy="3394472"/>
           </a:xfrm>
         </p:spPr>
         <p:txBody>
@@ -3895,7 +3924,7 @@
               <a:buNone/>
             </a:pPr>
             <a:r>
-              <a:rPr lang="zh-TW" altLang="en-US" sz="5400" b="1" dirty="0" smtClean="0">
+              <a:rPr lang="zh-TW" altLang="en-US" sz="4800" b="1" dirty="0">
                 <a:solidFill>
                   <a:srgbClr val="660033"/>
                 </a:solidFill>
@@ -3910,7 +3939,7 @@
               <a:buNone/>
             </a:pPr>
             <a:r>
-              <a:rPr lang="zh-TW" altLang="en-US" sz="5400" b="1" dirty="0" smtClean="0">
+              <a:rPr lang="zh-TW" altLang="en-US" sz="4800" b="1" dirty="0">
                 <a:solidFill>
                   <a:srgbClr val="660033"/>
                 </a:solidFill>
@@ -3919,7 +3948,7 @@
               </a:rPr>
               <a:t>我深知道 祂是我永遠的依靠</a:t>
             </a:r>
-            <a:endParaRPr lang="en-US" altLang="zh-TW" sz="5400" b="1" dirty="0" smtClean="0">
+            <a:endParaRPr lang="en-US" altLang="zh-TW" sz="4800" b="1" dirty="0">
               <a:solidFill>
                 <a:srgbClr val="660033"/>
               </a:solidFill>
@@ -3932,7 +3961,7 @@
               <a:buNone/>
             </a:pPr>
             <a:r>
-              <a:rPr lang="zh-TW" altLang="en-US" sz="5400" b="1" dirty="0" smtClean="0">
+              <a:rPr lang="zh-TW" altLang="en-US" sz="4800" b="1" dirty="0">
                 <a:solidFill>
                   <a:srgbClr val="660033"/>
                 </a:solidFill>
@@ -3947,7 +3976,7 @@
               <a:buNone/>
             </a:pPr>
             <a:r>
-              <a:rPr lang="zh-TW" altLang="en-US" sz="5400" b="1" dirty="0" smtClean="0">
+              <a:rPr lang="zh-TW" altLang="en-US" sz="4800" b="1" dirty="0">
                 <a:solidFill>
                   <a:srgbClr val="660033"/>
                 </a:solidFill>
